--- a/oreilly-sa-2018/img/continuity-scale.pptx
+++ b/oreilly-sa-2018/img/continuity-scale.pptx
@@ -104,6 +104,11 @@
       </a:defRPr>
     </a:lvl9pPr>
   </p:defaultTextStyle>
+  <p:extLst>
+    <p:ext uri="{EFAFB233-063F-42B5-8137-9DF3F51BA10A}">
+      <p15:sldGuideLst xmlns:p15="http://schemas.microsoft.com/office/powerpoint/2012/main"/>
+    </p:ext>
+  </p:extLst>
 </p:presentation>
 </file>
 
@@ -254,7 +259,7 @@
           <a:p>
             <a:fld id="{6FB1AE76-3540-1445-ACD3-DA157A004CDC}" type="datetimeFigureOut">
               <a:rPr lang="en-US" smtClean="0"/>
-              <a:t>10/26/18</a:t>
+              <a:t>10/27/18</a:t>
             </a:fld>
             <a:endParaRPr lang="en-US"/>
           </a:p>
@@ -452,7 +457,7 @@
           <a:p>
             <a:fld id="{6FB1AE76-3540-1445-ACD3-DA157A004CDC}" type="datetimeFigureOut">
               <a:rPr lang="en-US" smtClean="0"/>
-              <a:t>10/26/18</a:t>
+              <a:t>10/27/18</a:t>
             </a:fld>
             <a:endParaRPr lang="en-US"/>
           </a:p>
@@ -660,7 +665,7 @@
           <a:p>
             <a:fld id="{6FB1AE76-3540-1445-ACD3-DA157A004CDC}" type="datetimeFigureOut">
               <a:rPr lang="en-US" smtClean="0"/>
-              <a:t>10/26/18</a:t>
+              <a:t>10/27/18</a:t>
             </a:fld>
             <a:endParaRPr lang="en-US"/>
           </a:p>
@@ -858,7 +863,7 @@
           <a:p>
             <a:fld id="{6FB1AE76-3540-1445-ACD3-DA157A004CDC}" type="datetimeFigureOut">
               <a:rPr lang="en-US" smtClean="0"/>
-              <a:t>10/26/18</a:t>
+              <a:t>10/27/18</a:t>
             </a:fld>
             <a:endParaRPr lang="en-US"/>
           </a:p>
@@ -1133,7 +1138,7 @@
           <a:p>
             <a:fld id="{6FB1AE76-3540-1445-ACD3-DA157A004CDC}" type="datetimeFigureOut">
               <a:rPr lang="en-US" smtClean="0"/>
-              <a:t>10/26/18</a:t>
+              <a:t>10/27/18</a:t>
             </a:fld>
             <a:endParaRPr lang="en-US"/>
           </a:p>
@@ -1398,7 +1403,7 @@
           <a:p>
             <a:fld id="{6FB1AE76-3540-1445-ACD3-DA157A004CDC}" type="datetimeFigureOut">
               <a:rPr lang="en-US" smtClean="0"/>
-              <a:t>10/26/18</a:t>
+              <a:t>10/27/18</a:t>
             </a:fld>
             <a:endParaRPr lang="en-US"/>
           </a:p>
@@ -1810,7 +1815,7 @@
           <a:p>
             <a:fld id="{6FB1AE76-3540-1445-ACD3-DA157A004CDC}" type="datetimeFigureOut">
               <a:rPr lang="en-US" smtClean="0"/>
-              <a:t>10/26/18</a:t>
+              <a:t>10/27/18</a:t>
             </a:fld>
             <a:endParaRPr lang="en-US"/>
           </a:p>
@@ -1951,7 +1956,7 @@
           <a:p>
             <a:fld id="{6FB1AE76-3540-1445-ACD3-DA157A004CDC}" type="datetimeFigureOut">
               <a:rPr lang="en-US" smtClean="0"/>
-              <a:t>10/26/18</a:t>
+              <a:t>10/27/18</a:t>
             </a:fld>
             <a:endParaRPr lang="en-US"/>
           </a:p>
@@ -2064,7 +2069,7 @@
           <a:p>
             <a:fld id="{6FB1AE76-3540-1445-ACD3-DA157A004CDC}" type="datetimeFigureOut">
               <a:rPr lang="en-US" smtClean="0"/>
-              <a:t>10/26/18</a:t>
+              <a:t>10/27/18</a:t>
             </a:fld>
             <a:endParaRPr lang="en-US"/>
           </a:p>
@@ -2375,7 +2380,7 @@
           <a:p>
             <a:fld id="{6FB1AE76-3540-1445-ACD3-DA157A004CDC}" type="datetimeFigureOut">
               <a:rPr lang="en-US" smtClean="0"/>
-              <a:t>10/26/18</a:t>
+              <a:t>10/27/18</a:t>
             </a:fld>
             <a:endParaRPr lang="en-US"/>
           </a:p>
@@ -2663,7 +2668,7 @@
           <a:p>
             <a:fld id="{6FB1AE76-3540-1445-ACD3-DA157A004CDC}" type="datetimeFigureOut">
               <a:rPr lang="en-US" smtClean="0"/>
-              <a:t>10/26/18</a:t>
+              <a:t>10/27/18</a:t>
             </a:fld>
             <a:endParaRPr lang="en-US"/>
           </a:p>
@@ -2904,7 +2909,7 @@
           <a:p>
             <a:fld id="{6FB1AE76-3540-1445-ACD3-DA157A004CDC}" type="datetimeFigureOut">
               <a:rPr lang="en-US" smtClean="0"/>
-              <a:t>10/26/18</a:t>
+              <a:t>10/27/18</a:t>
             </a:fld>
             <a:endParaRPr lang="en-US"/>
           </a:p>
@@ -3509,8 +3514,8 @@
         </p:nvSpPr>
         <p:spPr>
           <a:xfrm>
-            <a:off x="4245290" y="1690688"/>
-            <a:ext cx="816249" cy="369332"/>
+            <a:off x="2995678" y="1637520"/>
+            <a:ext cx="901209" cy="400110"/>
           </a:xfrm>
           <a:prstGeom prst="rect">
             <a:avLst/>
@@ -3524,7 +3529,7 @@
           <a:lstStyle/>
           <a:p>
             <a:r>
-              <a:rPr lang="en-US" dirty="0"/>
+              <a:rPr lang="en-US" sz="2000" b="1" dirty="0"/>
               <a:t>Design</a:t>
             </a:r>
           </a:p>
@@ -3544,8 +3549,8 @@
         </p:nvSpPr>
         <p:spPr>
           <a:xfrm>
-            <a:off x="6823077" y="1690688"/>
-            <a:ext cx="1063625" cy="369332"/>
+            <a:off x="6823077" y="1637520"/>
+            <a:ext cx="1187120" cy="400110"/>
           </a:xfrm>
           <a:prstGeom prst="rect">
             <a:avLst/>
@@ -3559,7 +3564,7 @@
           <a:lstStyle/>
           <a:p>
             <a:r>
-              <a:rPr lang="en-US" dirty="0"/>
+              <a:rPr lang="en-US" sz="2000" b="1" dirty="0"/>
               <a:t>Evolution</a:t>
             </a:r>
           </a:p>
@@ -3579,8 +3584,8 @@
         </p:nvSpPr>
         <p:spPr>
           <a:xfrm rot="16200000">
-            <a:off x="1591620" y="3027168"/>
-            <a:ext cx="1009700" cy="369332"/>
+            <a:off x="1475056" y="3033600"/>
+            <a:ext cx="1120884" cy="400110"/>
           </a:xfrm>
           <a:prstGeom prst="rect">
             <a:avLst/>
@@ -3595,7 +3600,7 @@
           <a:p>
             <a:pPr algn="ctr"/>
             <a:r>
-              <a:rPr lang="en-US" dirty="0"/>
+              <a:rPr lang="en-US" sz="2000" b="1" dirty="0"/>
               <a:t>Products</a:t>
             </a:r>
           </a:p>
@@ -3615,8 +3620,8 @@
         </p:nvSpPr>
         <p:spPr>
           <a:xfrm rot="16200000">
-            <a:off x="1511374" y="4755730"/>
-            <a:ext cx="1170192" cy="369332"/>
+            <a:off x="1386058" y="4742929"/>
+            <a:ext cx="1298882" cy="400110"/>
           </a:xfrm>
           <a:prstGeom prst="rect">
             <a:avLst/>
@@ -3631,7 +3636,7 @@
           <a:p>
             <a:pPr algn="ctr"/>
             <a:r>
-              <a:rPr lang="en-US" dirty="0"/>
+              <a:rPr lang="en-US" sz="2000" b="1" dirty="0"/>
               <a:t>Landscape</a:t>
             </a:r>
           </a:p>
@@ -3853,7 +3858,7 @@
           <a:p>
             <a:r>
               <a:rPr lang="en-US" dirty="0"/>
-              <a:t>Support better production:</a:t>
+              <a:t>Always improve production:</a:t>
             </a:r>
           </a:p>
           <a:p>
@@ -3863,7 +3868,7 @@
             </a:pPr>
             <a:r>
               <a:rPr lang="en-US" dirty="0"/>
-              <a:t>Identify shifting culture</a:t>
+              <a:t>Identify culture shifts</a:t>
             </a:r>
           </a:p>
           <a:p>
@@ -3883,7 +3888,7 @@
             </a:pPr>
             <a:r>
               <a:rPr lang="en-US" dirty="0"/>
-              <a:t>Evolve production support</a:t>
+              <a:t>Evolve landscape support</a:t>
             </a:r>
           </a:p>
         </p:txBody>
